--- a/transparencias.pptx
+++ b/transparencias.pptx
@@ -8169,8 +8169,8 @@
         </p:nvSpPr>
         <p:spPr bwMode="auto">
           <a:xfrm flipH="0" flipV="0">
-            <a:off x="2004814" y="4198270"/>
-            <a:ext cx="2894716" cy="2442156"/>
+            <a:off x="2004813" y="4198269"/>
+            <a:ext cx="2894715" cy="2158079"/>
           </a:xfrm>
           <a:prstGeom prst="rect">
             <a:avLst/>
@@ -8350,8 +8350,8 @@
         </p:nvSpPr>
         <p:spPr bwMode="auto">
           <a:xfrm flipH="0" flipV="0">
-            <a:off x="5471213" y="4472589"/>
-            <a:ext cx="3428174" cy="1463400"/>
+            <a:off x="5367303" y="4472588"/>
+            <a:ext cx="3451573" cy="1463400"/>
           </a:xfrm>
           <a:prstGeom prst="rect">
             <a:avLst/>
@@ -8378,7 +8378,7 @@
                 <a:ea typeface="Noto Sans"/>
                 <a:cs typeface="Noto Sans"/>
               </a:rPr>
-              <a:t>Los headers sirven para declarar las funciones y constantes que se vayan a usar, que estén definidas en otro archivo.</a:t>
+              <a:t>Los headers sirven para declarar los elementos necesarios que se vayan a usar y que estén definidas en otro archivo.</a:t>
             </a:r>
             <a:endParaRPr>
               <a:solidFill>
@@ -8508,7 +8508,7 @@
         </p:nvSpPr>
         <p:spPr bwMode="auto">
           <a:xfrm flipH="0" flipV="0">
-            <a:off x="4343388" y="3917333"/>
+            <a:off x="4343388" y="3612173"/>
             <a:ext cx="4780836" cy="2469240"/>
           </a:xfrm>
         </p:spPr>
@@ -9681,7 +9681,7 @@
         </p:nvSpPr>
         <p:spPr bwMode="auto">
           <a:xfrm flipH="0" flipV="0">
-            <a:off x="4343388" y="3917333"/>
+            <a:off x="4343388" y="3612173"/>
             <a:ext cx="4600486" cy="2579473"/>
           </a:xfrm>
           <a:prstGeom prst="rect">
@@ -9742,7 +9742,7 @@
         </p:nvSpPr>
         <p:spPr bwMode="auto">
           <a:xfrm flipH="0" flipV="0">
-            <a:off x="4343389" y="3597243"/>
+            <a:off x="4343389" y="3292083"/>
             <a:ext cx="1518822" cy="305159"/>
           </a:xfrm>
           <a:prstGeom prst="rect">
@@ -11653,8 +11653,8 @@
         </p:nvSpPr>
         <p:spPr bwMode="auto">
           <a:xfrm flipH="0" flipV="0">
-            <a:off x="3902596" y="2112370"/>
-            <a:ext cx="2658063" cy="640440"/>
+            <a:off x="3902595" y="2112369"/>
+            <a:ext cx="2663102" cy="640440"/>
           </a:xfrm>
           <a:prstGeom prst="rect">
             <a:avLst/>
@@ -11681,7 +11681,7 @@
                 <a:ea typeface="Noto Sans"/>
                 <a:cs typeface="Noto Sans"/>
               </a:rPr>
-              <a:t>Directivas como headers o constantes</a:t>
+              <a:t>Directivas como headers o definiciones</a:t>
             </a:r>
             <a:endParaRPr sz="1800">
               <a:solidFill>
@@ -12242,8 +12242,8 @@
         </p:nvSpPr>
         <p:spPr bwMode="auto">
           <a:xfrm flipH="0" flipV="0">
-            <a:off x="5714469" y="2659433"/>
-            <a:ext cx="3171915" cy="2835000"/>
+            <a:off x="5714469" y="3543924"/>
+            <a:ext cx="3172275" cy="1189080"/>
           </a:xfrm>
           <a:prstGeom prst="rect">
             <a:avLst/>
@@ -12254,79 +12254,6 @@
           <a:bodyPr vertOverflow="overflow" horzOverflow="overflow" vert="horz" wrap="square" lIns="91440" tIns="45720" rIns="91440" bIns="45720" numCol="1" spcCol="0" rtlCol="0" fromWordArt="0" anchor="t" anchorCtr="0" forceAA="0" upright="0" compatLnSpc="0">
             <a:spAutoFit/>
           </a:bodyPr>
-          <a:p>
-            <a:pPr>
-              <a:defRPr/>
-            </a:pPr>
-            <a:r>
-              <a:rPr>
-                <a:solidFill>
-                  <a:schemeClr val="tx1">
-                    <a:lumMod val="75000"/>
-                    <a:lumOff val="25000"/>
-                  </a:schemeClr>
-                </a:solidFill>
-                <a:latin typeface="Noto Sans"/>
-                <a:ea typeface="Noto Sans"/>
-                <a:cs typeface="Noto Sans"/>
-              </a:rPr>
-              <a:t>Los headers se usan para declarar </a:t>
-            </a:r>
-            <a:r>
-              <a:rPr>
-                <a:solidFill>
-                  <a:schemeClr val="tx1">
-                    <a:lumMod val="75000"/>
-                    <a:lumOff val="25000"/>
-                  </a:schemeClr>
-                </a:solidFill>
-                <a:latin typeface="Noto Sans"/>
-                <a:ea typeface="Noto Sans"/>
-                <a:cs typeface="Noto Sans"/>
-              </a:rPr>
-              <a:t>las funciones y variables globales que están disponibles para usarse</a:t>
-            </a:r>
-            <a:r>
-              <a:rPr>
-                <a:solidFill>
-                  <a:schemeClr val="tx1">
-                    <a:lumMod val="75000"/>
-                    <a:lumOff val="25000"/>
-                  </a:schemeClr>
-                </a:solidFill>
-                <a:latin typeface="Noto Sans"/>
-                <a:ea typeface="Noto Sans"/>
-                <a:cs typeface="Noto Sans"/>
-              </a:rPr>
-              <a:t>.</a:t>
-            </a:r>
-            <a:endParaRPr>
-              <a:solidFill>
-                <a:schemeClr val="tx1">
-                  <a:lumMod val="75000"/>
-                  <a:lumOff val="25000"/>
-                </a:schemeClr>
-              </a:solidFill>
-              <a:latin typeface="Noto Sans"/>
-              <a:ea typeface="Noto Sans"/>
-              <a:cs typeface="Noto Sans"/>
-            </a:endParaRPr>
-          </a:p>
-          <a:p>
-            <a:pPr>
-              <a:defRPr/>
-            </a:pPr>
-            <a:endParaRPr>
-              <a:solidFill>
-                <a:schemeClr val="tx1">
-                  <a:lumMod val="75000"/>
-                  <a:lumOff val="25000"/>
-                </a:schemeClr>
-              </a:solidFill>
-              <a:latin typeface="Noto Sans"/>
-              <a:cs typeface="Noto Sans"/>
-            </a:endParaRPr>
-          </a:p>
           <a:p>
             <a:pPr>
               <a:defRPr/>
@@ -28901,8 +28828,8 @@
         </p:nvSpPr>
         <p:spPr bwMode="auto">
           <a:xfrm flipH="0" flipV="0">
-            <a:off x="1142998" y="5955592"/>
-            <a:ext cx="2114425" cy="457560"/>
+            <a:off x="1142997" y="5955591"/>
+            <a:ext cx="2133144" cy="457560"/>
           </a:xfrm>
           <a:prstGeom prst="rect">
             <a:avLst/>
@@ -28929,7 +28856,7 @@
                 <a:ea typeface="Noto Sans"/>
                 <a:cs typeface="Noto Sans"/>
               </a:rPr>
-              <a:t>Cualquier duda spameadles a estos</a:t>
+              <a:t>Cualquier duda le espameáis a estos</a:t>
             </a:r>
             <a:endParaRPr sz="1200">
               <a:solidFill>
@@ -28939,6 +28866,7 @@
                 </a:schemeClr>
               </a:solidFill>
               <a:latin typeface="Noto Sans"/>
+              <a:ea typeface="Noto Sans"/>
               <a:cs typeface="Noto Sans"/>
             </a:endParaRPr>
           </a:p>

--- a/transparencias.pptx
+++ b/transparencias.pptx
@@ -14551,7 +14551,7 @@
         </p:nvSpPr>
         <p:spPr bwMode="auto">
           <a:xfrm flipH="0" flipV="0">
-            <a:off x="6929421" y="3283916"/>
+            <a:off x="6903443" y="3539283"/>
             <a:ext cx="1933422" cy="1097640"/>
           </a:xfrm>
           <a:prstGeom prst="rect">
@@ -14652,28 +14652,6 @@
           </a:p>
         </p:txBody>
       </p:sp>
-      <p:pic>
-        <p:nvPicPr>
-          <p:cNvPr id="1590772581" name=""/>
-          <p:cNvPicPr>
-            <a:picLocks noChangeAspect="1"/>
-          </p:cNvPicPr>
-          <p:nvPr/>
-        </p:nvPicPr>
-        <p:blipFill>
-          <a:blip r:embed="rId3"/>
-          <a:stretch/>
-        </p:blipFill>
-        <p:spPr bwMode="auto">
-          <a:xfrm rot="0" flipH="0" flipV="0">
-            <a:off x="745404" y="1844764"/>
-            <a:ext cx="5864772" cy="4618308"/>
-          </a:xfrm>
-          <a:prstGeom prst="rect">
-            <a:avLst/>
-          </a:prstGeom>
-        </p:spPr>
-      </p:pic>
       <p:sp>
         <p:nvSpPr>
           <p:cNvPr id="827339358" name=""/>
@@ -14748,6 +14726,28 @@
           </a:p>
         </p:txBody>
       </p:sp>
+      <p:pic>
+        <p:nvPicPr>
+          <p:cNvPr id="717280989" name=""/>
+          <p:cNvPicPr>
+            <a:picLocks noChangeAspect="1"/>
+          </p:cNvPicPr>
+          <p:nvPr/>
+        </p:nvPicPr>
+        <p:blipFill>
+          <a:blip r:embed="rId3"/>
+          <a:stretch/>
+        </p:blipFill>
+        <p:spPr bwMode="auto">
+          <a:xfrm flipH="0" flipV="0">
+            <a:off x="538590" y="1896340"/>
+            <a:ext cx="5919359" cy="4383525"/>
+          </a:xfrm>
+          <a:prstGeom prst="rect">
+            <a:avLst/>
+          </a:prstGeom>
+        </p:spPr>
+      </p:pic>
     </p:spTree>
   </p:cSld>
   <p:clrMapOvr>
@@ -15215,28 +15215,6 @@
           </a:p>
         </p:txBody>
       </p:sp>
-      <p:pic>
-        <p:nvPicPr>
-          <p:cNvPr id="1639409586" name=""/>
-          <p:cNvPicPr>
-            <a:picLocks noChangeAspect="1"/>
-          </p:cNvPicPr>
-          <p:nvPr/>
-        </p:nvPicPr>
-        <p:blipFill>
-          <a:blip r:embed="rId3"/>
-          <a:stretch/>
-        </p:blipFill>
-        <p:spPr bwMode="auto">
-          <a:xfrm flipH="0" flipV="0">
-            <a:off x="909701" y="1668946"/>
-            <a:ext cx="3585427" cy="4998507"/>
-          </a:xfrm>
-          <a:prstGeom prst="rect">
-            <a:avLst/>
-          </a:prstGeom>
-        </p:spPr>
-      </p:pic>
       <p:sp>
         <p:nvSpPr>
           <p:cNvPr id="349706254" name=""/>
@@ -15311,6 +15289,28 @@
           </a:p>
         </p:txBody>
       </p:sp>
+      <p:pic>
+        <p:nvPicPr>
+          <p:cNvPr id="1963687057" name=""/>
+          <p:cNvPicPr>
+            <a:picLocks noChangeAspect="1"/>
+          </p:cNvPicPr>
+          <p:nvPr/>
+        </p:nvPicPr>
+        <p:blipFill>
+          <a:blip r:embed="rId3"/>
+          <a:stretch/>
+        </p:blipFill>
+        <p:spPr bwMode="auto">
+          <a:xfrm flipH="0" flipV="0">
+            <a:off x="1117022" y="1709741"/>
+            <a:ext cx="3078433" cy="4829171"/>
+          </a:xfrm>
+          <a:prstGeom prst="rect">
+            <a:avLst/>
+          </a:prstGeom>
+        </p:spPr>
+      </p:pic>
     </p:spTree>
   </p:cSld>
   <p:clrMapOvr>
@@ -17826,8 +17826,8 @@
         </p:nvSpPr>
         <p:spPr bwMode="auto">
           <a:xfrm flipH="0" flipV="0">
-            <a:off x="353618" y="5505080"/>
-            <a:ext cx="5804600" cy="823320"/>
+            <a:off x="353617" y="5505079"/>
+            <a:ext cx="5806039" cy="823320"/>
           </a:xfrm>
         </p:spPr>
         <p:txBody>
@@ -17878,7 +17878,7 @@
                 <a:ea typeface="Arial"/>
                 <a:cs typeface="Arial"/>
               </a:rPr>
-              <a:t>int sprintf(char *str, size_t nconst char *format, argument-list)</a:t>
+              <a:t>int sprintf(char *str, const char *format, argument-list)</a:t>
             </a:r>
             <a:endParaRPr sz="1800">
               <a:solidFill>
@@ -18150,8 +18150,8 @@
         </p:nvSpPr>
         <p:spPr bwMode="auto">
           <a:xfrm flipH="0" flipV="0">
-            <a:off x="3615790" y="3273135"/>
-            <a:ext cx="4558748" cy="731879"/>
+            <a:off x="3615789" y="3273134"/>
+            <a:ext cx="4582147" cy="731879"/>
           </a:xfrm>
           <a:prstGeom prst="rect">
             <a:avLst/>
@@ -18178,7 +18178,7 @@
                 <a:ea typeface="Noto Sans"/>
                 <a:cs typeface="Noto Sans"/>
               </a:rPr>
-              <a:t>El “\n” se usa para poner el salto de línea en la terminal ya que los emuladores no lo ponen automáticamente</a:t>
+              <a:t>El “\n” se usa para poner el salto de línea ya que hay emuladores que no lo ponen automáticamente. Si no se usa para imprimir, no hace falta ponerlo.</a:t>
             </a:r>
             <a:endParaRPr sz="1400">
               <a:solidFill>
@@ -18453,7 +18453,7 @@
         </p:nvSpPr>
         <p:spPr bwMode="auto">
           <a:xfrm flipH="0" flipV="0">
-            <a:off x="527416" y="2452959"/>
+            <a:off x="447208" y="2452959"/>
             <a:ext cx="6408837" cy="366119"/>
           </a:xfrm>
           <a:prstGeom prst="rect">
@@ -18504,7 +18504,7 @@
         </p:nvSpPr>
         <p:spPr bwMode="auto">
           <a:xfrm>
-            <a:off x="588030" y="2819080"/>
+            <a:off x="507822" y="2819079"/>
             <a:ext cx="5935061" cy="335639"/>
           </a:xfrm>
         </p:spPr>
@@ -18639,7 +18639,7 @@
         </p:nvSpPr>
         <p:spPr bwMode="auto">
           <a:xfrm flipH="0" flipV="0">
-            <a:off x="579370" y="4586559"/>
+            <a:off x="499162" y="4586558"/>
             <a:ext cx="4061877" cy="366119"/>
           </a:xfrm>
           <a:prstGeom prst="rect">
@@ -18690,7 +18690,7 @@
         </p:nvSpPr>
         <p:spPr bwMode="auto">
           <a:xfrm flipH="0" flipV="0">
-            <a:off x="579371" y="5013293"/>
+            <a:off x="499163" y="5013292"/>
             <a:ext cx="5327734" cy="853799"/>
           </a:xfrm>
         </p:spPr>
@@ -18928,7 +18928,7 @@
         </p:nvSpPr>
         <p:spPr bwMode="auto">
           <a:xfrm flipH="0" flipV="0">
-            <a:off x="5495555" y="5013292"/>
+            <a:off x="5415347" y="5013291"/>
             <a:ext cx="3574686" cy="823319"/>
           </a:xfrm>
           <a:prstGeom prst="rect">
@@ -19023,7 +19023,7 @@
         </p:nvSpPr>
         <p:spPr bwMode="auto">
           <a:xfrm flipH="0" flipV="0">
-            <a:off x="2423997" y="3238498"/>
+            <a:off x="2283175" y="3238497"/>
             <a:ext cx="6635823" cy="335639"/>
           </a:xfrm>
           <a:prstGeom prst="rect">
@@ -19076,7 +19076,7 @@
         </p:nvCxnSpPr>
         <p:spPr bwMode="auto">
           <a:xfrm flipH="0" flipV="0">
-            <a:off x="1282431" y="3160568"/>
+            <a:off x="1202223" y="3160567"/>
             <a:ext cx="0" cy="268431"/>
           </a:xfrm>
           <a:prstGeom prst="line">
@@ -19120,7 +19120,7 @@
         </p:nvCxnSpPr>
         <p:spPr bwMode="auto">
           <a:xfrm flipH="0" flipV="0">
-            <a:off x="1291090" y="3428999"/>
+            <a:off x="1210882" y="3428998"/>
             <a:ext cx="949835" cy="0"/>
           </a:xfrm>
           <a:prstGeom prst="line">
@@ -19760,7 +19760,7 @@
         </p:nvSpPr>
         <p:spPr bwMode="auto">
           <a:xfrm>
-            <a:off x="4068472" y="2538581"/>
+            <a:off x="4054387" y="2355879"/>
             <a:ext cx="4900744" cy="3078839"/>
           </a:xfrm>
         </p:spPr>
@@ -20313,7 +20313,7 @@
         </p:nvSpPr>
         <p:spPr bwMode="auto">
           <a:xfrm flipH="0" flipV="0">
-            <a:off x="4040304" y="2538581"/>
+            <a:off x="4026219" y="2355879"/>
             <a:ext cx="4928912" cy="3261540"/>
           </a:xfrm>
           <a:prstGeom prst="rect">
@@ -20364,7 +20364,7 @@
         </p:nvCxnSpPr>
         <p:spPr bwMode="auto">
           <a:xfrm flipH="0" flipV="1">
-            <a:off x="6156825" y="2327826"/>
+            <a:off x="6142740" y="2145124"/>
             <a:ext cx="476249" cy="952499"/>
           </a:xfrm>
           <a:prstGeom prst="line">
@@ -20407,7 +20407,7 @@
         </p:nvSpPr>
         <p:spPr bwMode="auto">
           <a:xfrm flipH="0" flipV="0">
-            <a:off x="6206454" y="1904748"/>
+            <a:off x="6192369" y="1722046"/>
             <a:ext cx="2519181" cy="366119"/>
           </a:xfrm>
           <a:prstGeom prst="rect">
@@ -20726,6 +20726,102 @@
               <a:t/>
             </a:fld>
             <a:endParaRPr/>
+          </a:p>
+        </p:txBody>
+      </p:sp>
+      <p:cxnSp>
+        <p:nvCxnSpPr>
+          <p:cNvPr id="2094045311" name=""/>
+          <p:cNvCxnSpPr>
+            <a:cxnSpLocks/>
+          </p:cNvCxnSpPr>
+          <p:nvPr/>
+        </p:nvCxnSpPr>
+        <p:spPr bwMode="auto">
+          <a:xfrm flipH="0" flipV="0">
+            <a:off x="5398733" y="5434718"/>
+            <a:ext cx="181840" cy="383329"/>
+          </a:xfrm>
+          <a:prstGeom prst="line">
+            <a:avLst/>
+          </a:prstGeom>
+          <a:ln w="19049" cap="flat" cmpd="sng" algn="ctr">
+            <a:solidFill>
+              <a:schemeClr val="tx1">
+                <a:lumMod val="74901"/>
+                <a:lumOff val="25099"/>
+              </a:schemeClr>
+            </a:solidFill>
+            <a:prstDash val="solid"/>
+            <a:miter lim="800000"/>
+            <a:tailEnd type="arrow" len="med"/>
+          </a:ln>
+        </p:spPr>
+        <p:style>
+          <a:lnRef idx="1">
+            <a:schemeClr val="accent1">
+              <a:shade val="50000"/>
+            </a:schemeClr>
+          </a:lnRef>
+          <a:fillRef idx="0">
+            <a:schemeClr val="accent1"/>
+          </a:fillRef>
+          <a:effectRef idx="0">
+            <a:schemeClr val="accent1"/>
+          </a:effectRef>
+          <a:fontRef idx="minor">
+            <a:schemeClr val="tx1"/>
+          </a:fontRef>
+        </p:style>
+      </p:cxnSp>
+      <p:sp>
+        <p:nvSpPr>
+          <p:cNvPr id="1222950990" name=""/>
+          <p:cNvSpPr txBox="1"/>
+          <p:nvPr/>
+        </p:nvSpPr>
+        <p:spPr bwMode="auto">
+          <a:xfrm flipH="0" flipV="0">
+            <a:off x="4067751" y="5898472"/>
+            <a:ext cx="3418897" cy="640440"/>
+          </a:xfrm>
+          <a:prstGeom prst="rect">
+            <a:avLst/>
+          </a:prstGeom>
+          <a:noFill/>
+        </p:spPr>
+        <p:txBody>
+          <a:bodyPr vertOverflow="overflow" horzOverflow="overflow" vert="horz" wrap="square" lIns="91440" tIns="45720" rIns="91440" bIns="45720" numCol="1" spcCol="0" rtlCol="0" fromWordArt="0" anchor="t" anchorCtr="0" forceAA="0" upright="0" compatLnSpc="0">
+            <a:spAutoFit/>
+          </a:bodyPr>
+          <a:p>
+            <a:pPr>
+              <a:defRPr/>
+            </a:pPr>
+            <a:r>
+              <a:rPr>
+                <a:solidFill>
+                  <a:schemeClr val="tx1">
+                    <a:lumMod val="75000"/>
+                    <a:lumOff val="25000"/>
+                  </a:schemeClr>
+                </a:solidFill>
+                <a:latin typeface="Noto Sans"/>
+                <a:ea typeface="Noto Sans"/>
+                <a:cs typeface="Noto Sans"/>
+              </a:rPr>
+              <a:t>Se puede hacer el casting explicito en más sitios</a:t>
+            </a:r>
+            <a:endParaRPr>
+              <a:solidFill>
+                <a:schemeClr val="tx1">
+                  <a:lumMod val="75000"/>
+                  <a:lumOff val="25000"/>
+                </a:schemeClr>
+              </a:solidFill>
+              <a:latin typeface="Noto Sans"/>
+              <a:cs typeface="Noto Sans"/>
+            </a:endParaRPr>
           </a:p>
         </p:txBody>
       </p:sp>
